--- a/trunk/gomobile/gomobile.mobile/docs/manual/developermanual/images/Diagrams.pptx
+++ b/trunk/gomobile/gomobile.mobile/docs/manual/developermanual/images/Diagrams.pptx
@@ -3790,6 +3790,13 @@
   <p:clrMapOvr>
     <a:masterClrMapping/>
   </p:clrMapOvr>
+  <p:timing>
+    <p:tnLst>
+      <p:par>
+        <p:cTn id="1" dur="indefinite" restart="never" nodeType="tmRoot"/>
+      </p:par>
+    </p:tnLst>
+  </p:timing>
 </p:sld>
 </file>
 
@@ -4304,6 +4311,13 @@
   <p:clrMapOvr>
     <a:masterClrMapping/>
   </p:clrMapOvr>
+  <p:timing>
+    <p:tnLst>
+      <p:par>
+        <p:cTn id="1" dur="indefinite" restart="never" nodeType="tmRoot"/>
+      </p:par>
+    </p:tnLst>
+  </p:timing>
 </p:sld>
 </file>
 
@@ -4539,8 +4553,8 @@
         </p:nvSpPr>
         <p:spPr>
           <a:xfrm>
-            <a:off x="6460854" y="1301859"/>
-            <a:ext cx="2683146" cy="1815882"/>
+            <a:off x="6534992" y="1301859"/>
+            <a:ext cx="2534869" cy="2062103"/>
           </a:xfrm>
           <a:prstGeom prst="rect">
             <a:avLst/>
@@ -4556,7 +4570,60 @@
             <a:pPr algn="ctr"/>
             <a:r>
               <a:rPr lang="fi-FI" sz="1600" dirty="0" smtClean="0"/>
-              <a:t>No </a:t>
+              <a:t> </a:t>
+            </a:r>
+          </a:p>
+          <a:p>
+            <a:r>
+              <a:rPr lang="fi-FI" sz="1600" dirty="0" err="1" smtClean="0"/>
+              <a:t>U</a:t>
+            </a:r>
+            <a:r>
+              <a:rPr lang="fi-FI" sz="1600" dirty="0" err="1" smtClean="0"/>
+              <a:t>ser</a:t>
+            </a:r>
+            <a:r>
+              <a:rPr lang="fi-FI" sz="1600" dirty="0" smtClean="0"/>
+              <a:t> </a:t>
+            </a:r>
+            <a:r>
+              <a:rPr lang="fi-FI" sz="1600" dirty="0" err="1" smtClean="0"/>
+              <a:t>agent</a:t>
+            </a:r>
+            <a:r>
+              <a:rPr lang="fi-FI" sz="1600" dirty="0" smtClean="0"/>
+              <a:t> </a:t>
+            </a:r>
+            <a:r>
+              <a:rPr lang="fi-FI" sz="1600" dirty="0" err="1" smtClean="0"/>
+              <a:t>regex</a:t>
+            </a:r>
+            <a:r>
+              <a:rPr lang="fi-FI" sz="1600" dirty="0" smtClean="0"/>
+              <a:t> </a:t>
+            </a:r>
+            <a:r>
+              <a:rPr lang="fi-FI" sz="1600" dirty="0" err="1" smtClean="0"/>
+              <a:t>recognized</a:t>
+            </a:r>
+            <a:endParaRPr lang="fi-FI" sz="1600" dirty="0" smtClean="0"/>
+          </a:p>
+          <a:p>
+            <a:r>
+              <a:rPr lang="fi-FI" sz="1600" dirty="0" smtClean="0"/>
+              <a:t>a</a:t>
+            </a:r>
+            <a:r>
+              <a:rPr lang="fi-FI" sz="1600" dirty="0" smtClean="0"/>
+              <a:t>nd </a:t>
+            </a:r>
+            <a:r>
+              <a:rPr lang="fi-FI" sz="1600" dirty="0" err="1" smtClean="0"/>
+              <a:t>force_web</a:t>
+            </a:r>
+            <a:r>
+              <a:rPr lang="fi-FI" sz="1600" dirty="0" smtClean="0"/>
+              <a:t> </a:t>
             </a:r>
             <a:r>
               <a:rPr lang="fi-FI" sz="1600" dirty="0" err="1" smtClean="0"/>
@@ -4564,37 +4631,11 @@
             </a:r>
             <a:r>
               <a:rPr lang="fi-FI" sz="1600" dirty="0" smtClean="0"/>
-              <a:t>, </a:t>
-            </a:r>
-          </a:p>
-          <a:p>
+              <a:t> is </a:t>
+            </a:r>
             <a:r>
               <a:rPr lang="fi-FI" sz="1600" dirty="0" err="1" smtClean="0"/>
-              <a:t>user</a:t>
-            </a:r>
-            <a:r>
-              <a:rPr lang="fi-FI" sz="1600" dirty="0" smtClean="0"/>
-              <a:t> </a:t>
-            </a:r>
-            <a:r>
-              <a:rPr lang="fi-FI" sz="1600" dirty="0" err="1" smtClean="0"/>
-              <a:t>agent</a:t>
-            </a:r>
-            <a:r>
-              <a:rPr lang="fi-FI" sz="1600" dirty="0" smtClean="0"/>
-              <a:t> </a:t>
-            </a:r>
-            <a:r>
-              <a:rPr lang="fi-FI" sz="1600" dirty="0" err="1" smtClean="0"/>
-              <a:t>regex</a:t>
-            </a:r>
-            <a:r>
-              <a:rPr lang="fi-FI" sz="1600" dirty="0" smtClean="0"/>
-              <a:t> </a:t>
-            </a:r>
-            <a:r>
-              <a:rPr lang="fi-FI" sz="1600" dirty="0" err="1" smtClean="0"/>
-              <a:t>recognizition</a:t>
+              <a:t>off</a:t>
             </a:r>
             <a:endParaRPr lang="fi-FI" sz="1600" dirty="0" smtClean="0"/>
           </a:p>
@@ -4894,6 +4935,13 @@
   <p:clrMapOvr>
     <a:masterClrMapping/>
   </p:clrMapOvr>
+  <p:timing>
+    <p:tnLst>
+      <p:par>
+        <p:cTn id="1" dur="indefinite" restart="never" nodeType="tmRoot"/>
+      </p:par>
+    </p:tnLst>
+  </p:timing>
 </p:sld>
 </file>
 
